--- a/LARAVEL FRAMEWORK Present.pptx
+++ b/LARAVEL FRAMEWORK Present.pptx
@@ -189,7 +189,7 @@
           <a:p>
             <a:fld id="{09A439B4-5FB2-4DBA-A4F6-4DACBB72CDFA}" type="datetimeFigureOut">
               <a:rPr lang="en-US" smtClean="0"/>
-              <a:t>2/12/2020</a:t>
+              <a:t>3/5/2020</a:t>
             </a:fld>
             <a:endParaRPr lang="en-US"/>
           </a:p>
@@ -678,7 +678,7 @@
           <a:p>
             <a:fld id="{09A439B4-5FB2-4DBA-A4F6-4DACBB72CDFA}" type="datetimeFigureOut">
               <a:rPr lang="en-US" smtClean="0"/>
-              <a:t>2/12/2020</a:t>
+              <a:t>3/5/2020</a:t>
             </a:fld>
             <a:endParaRPr lang="en-US"/>
           </a:p>
@@ -4620,7 +4620,7 @@
           <a:p>
             <a:fld id="{09A439B4-5FB2-4DBA-A4F6-4DACBB72CDFA}" type="datetimeFigureOut">
               <a:rPr lang="en-US" smtClean="0"/>
-              <a:t>2/12/2020</a:t>
+              <a:t>3/5/2020</a:t>
             </a:fld>
             <a:endParaRPr lang="en-US"/>
           </a:p>
@@ -8479,7 +8479,7 @@
           <a:p>
             <a:fld id="{09A439B4-5FB2-4DBA-A4F6-4DACBB72CDFA}" type="datetimeFigureOut">
               <a:rPr lang="en-US" smtClean="0"/>
-              <a:t>2/12/2020</a:t>
+              <a:t>3/5/2020</a:t>
             </a:fld>
             <a:endParaRPr lang="en-US"/>
           </a:p>
@@ -20305,7 +20305,7 @@
           <a:p>
             <a:fld id="{09A439B4-5FB2-4DBA-A4F6-4DACBB72CDFA}" type="datetimeFigureOut">
               <a:rPr lang="en-US" smtClean="0"/>
-              <a:t>2/12/2020</a:t>
+              <a:t>3/5/2020</a:t>
             </a:fld>
             <a:endParaRPr lang="en-US"/>
           </a:p>
@@ -20621,7 +20621,7 @@
           <a:p>
             <a:fld id="{09A439B4-5FB2-4DBA-A4F6-4DACBB72CDFA}" type="datetimeFigureOut">
               <a:rPr lang="en-US" smtClean="0"/>
-              <a:t>2/12/2020</a:t>
+              <a:t>3/5/2020</a:t>
             </a:fld>
             <a:endParaRPr lang="en-US"/>
           </a:p>
@@ -21087,7 +21087,7 @@
           <a:p>
             <a:fld id="{09A439B4-5FB2-4DBA-A4F6-4DACBB72CDFA}" type="datetimeFigureOut">
               <a:rPr lang="en-US" smtClean="0"/>
-              <a:t>2/12/2020</a:t>
+              <a:t>3/5/2020</a:t>
             </a:fld>
             <a:endParaRPr lang="en-US"/>
           </a:p>
@@ -21304,7 +21304,7 @@
           <a:p>
             <a:fld id="{09A439B4-5FB2-4DBA-A4F6-4DACBB72CDFA}" type="datetimeFigureOut">
               <a:rPr lang="en-US" smtClean="0"/>
-              <a:t>2/12/2020</a:t>
+              <a:t>3/5/2020</a:t>
             </a:fld>
             <a:endParaRPr lang="en-US"/>
           </a:p>
@@ -25324,7 +25324,7 @@
           <a:p>
             <a:fld id="{09A439B4-5FB2-4DBA-A4F6-4DACBB72CDFA}" type="datetimeFigureOut">
               <a:rPr lang="en-US" smtClean="0"/>
-              <a:t>2/12/2020</a:t>
+              <a:t>3/5/2020</a:t>
             </a:fld>
             <a:endParaRPr lang="en-US"/>
           </a:p>
@@ -25593,7 +25593,7 @@
           <a:p>
             <a:fld id="{09A439B4-5FB2-4DBA-A4F6-4DACBB72CDFA}" type="datetimeFigureOut">
               <a:rPr lang="en-US" smtClean="0"/>
-              <a:t>2/12/2020</a:t>
+              <a:t>3/5/2020</a:t>
             </a:fld>
             <a:endParaRPr lang="en-US"/>
           </a:p>
@@ -25706,7 +25706,7 @@
           <a:p>
             <a:fld id="{09A439B4-5FB2-4DBA-A4F6-4DACBB72CDFA}" type="datetimeFigureOut">
               <a:rPr lang="en-US" smtClean="0"/>
-              <a:t>2/12/2020</a:t>
+              <a:t>3/5/2020</a:t>
             </a:fld>
             <a:endParaRPr lang="en-US"/>
           </a:p>
@@ -25857,7 +25857,7 @@
           <a:p>
             <a:fld id="{09A439B4-5FB2-4DBA-A4F6-4DACBB72CDFA}" type="datetimeFigureOut">
               <a:rPr lang="en-US" smtClean="0"/>
-              <a:t>2/12/2020</a:t>
+              <a:t>3/5/2020</a:t>
             </a:fld>
             <a:endParaRPr lang="en-US"/>
           </a:p>
@@ -25978,7 +25978,7 @@
           <a:p>
             <a:fld id="{09A439B4-5FB2-4DBA-A4F6-4DACBB72CDFA}" type="datetimeFigureOut">
               <a:rPr lang="en-US" smtClean="0"/>
-              <a:t>2/12/2020</a:t>
+              <a:t>3/5/2020</a:t>
             </a:fld>
             <a:endParaRPr lang="en-US"/>
           </a:p>
@@ -26091,7 +26091,7 @@
           <a:p>
             <a:fld id="{09A439B4-5FB2-4DBA-A4F6-4DACBB72CDFA}" type="datetimeFigureOut">
               <a:rPr lang="en-US" smtClean="0"/>
-              <a:t>2/12/2020</a:t>
+              <a:t>3/5/2020</a:t>
             </a:fld>
             <a:endParaRPr lang="en-US"/>
           </a:p>
@@ -26684,7 +26684,7 @@
           <a:p>
             <a:fld id="{09A439B4-5FB2-4DBA-A4F6-4DACBB72CDFA}" type="datetimeFigureOut">
               <a:rPr lang="en-US" smtClean="0"/>
-              <a:t>2/12/2020</a:t>
+              <a:t>3/5/2020</a:t>
             </a:fld>
             <a:endParaRPr lang="en-US"/>
           </a:p>
@@ -27351,7 +27351,7 @@
           <a:p>
             <a:fld id="{09A439B4-5FB2-4DBA-A4F6-4DACBB72CDFA}" type="datetimeFigureOut">
               <a:rPr lang="en-US" smtClean="0"/>
-              <a:t>2/12/2020</a:t>
+              <a:t>3/5/2020</a:t>
             </a:fld>
             <a:endParaRPr lang="en-US"/>
           </a:p>
@@ -27663,7 +27663,7 @@
           <a:p>
             <a:fld id="{09A439B4-5FB2-4DBA-A4F6-4DACBB72CDFA}" type="datetimeFigureOut">
               <a:rPr lang="en-US" smtClean="0"/>
-              <a:t>2/12/2020</a:t>
+              <a:t>3/5/2020</a:t>
             </a:fld>
             <a:endParaRPr lang="en-US"/>
           </a:p>
@@ -28044,7 +28044,7 @@
           <a:p>
             <a:fld id="{09A439B4-5FB2-4DBA-A4F6-4DACBB72CDFA}" type="datetimeFigureOut">
               <a:rPr lang="en-US" smtClean="0"/>
-              <a:t>2/12/2020</a:t>
+              <a:t>3/5/2020</a:t>
             </a:fld>
             <a:endParaRPr lang="en-US"/>
           </a:p>
@@ -28455,7 +28455,7 @@
           <a:p>
             <a:fld id="{09A439B4-5FB2-4DBA-A4F6-4DACBB72CDFA}" type="datetimeFigureOut">
               <a:rPr lang="en-US" smtClean="0"/>
-              <a:t>2/12/2020</a:t>
+              <a:t>3/5/2020</a:t>
             </a:fld>
             <a:endParaRPr lang="en-US"/>
           </a:p>
@@ -28836,7 +28836,7 @@
           <a:p>
             <a:fld id="{09A439B4-5FB2-4DBA-A4F6-4DACBB72CDFA}" type="datetimeFigureOut">
               <a:rPr lang="en-US" smtClean="0"/>
-              <a:t>2/12/2020</a:t>
+              <a:t>3/5/2020</a:t>
             </a:fld>
             <a:endParaRPr lang="en-US"/>
           </a:p>
@@ -29238,7 +29238,7 @@
           <a:p>
             <a:fld id="{09A439B4-5FB2-4DBA-A4F6-4DACBB72CDFA}" type="datetimeFigureOut">
               <a:rPr lang="en-US" smtClean="0"/>
-              <a:t>2/12/2020</a:t>
+              <a:t>3/5/2020</a:t>
             </a:fld>
             <a:endParaRPr lang="en-US"/>
           </a:p>
@@ -29640,7 +29640,7 @@
           <a:p>
             <a:fld id="{09A439B4-5FB2-4DBA-A4F6-4DACBB72CDFA}" type="datetimeFigureOut">
               <a:rPr lang="en-US" smtClean="0"/>
-              <a:t>2/12/2020</a:t>
+              <a:t>3/5/2020</a:t>
             </a:fld>
             <a:endParaRPr lang="en-US"/>
           </a:p>
@@ -30039,7 +30039,7 @@
           <a:p>
             <a:fld id="{09A439B4-5FB2-4DBA-A4F6-4DACBB72CDFA}" type="datetimeFigureOut">
               <a:rPr lang="en-US" smtClean="0"/>
-              <a:t>2/12/2020</a:t>
+              <a:t>3/5/2020</a:t>
             </a:fld>
             <a:endParaRPr lang="en-US"/>
           </a:p>
@@ -37672,28 +37672,7 @@
                 <a:latin typeface="TH SarabunPSK" panose="020B0500040200020003" pitchFamily="34" charset="-34"/>
                 <a:cs typeface="TH SarabunPSK" panose="020B0500040200020003" pitchFamily="34" charset="-34"/>
               </a:rPr>
-              <a:t>Version </a:t>
-            </a:r>
-            <a:r>
-              <a:rPr lang="th-TH" sz="2400" b="1" dirty="0">
-                <a:latin typeface="TH SarabunPSK" panose="020B0500040200020003" pitchFamily="34" charset="-34"/>
-                <a:cs typeface="TH SarabunPSK" panose="020B0500040200020003" pitchFamily="34" charset="-34"/>
-              </a:rPr>
-              <a:t>6</a:t>
-            </a:r>
-            <a:r>
-              <a:rPr lang="en-US" sz="2400" b="1" dirty="0">
-                <a:latin typeface="TH SarabunPSK" panose="020B0500040200020003" pitchFamily="34" charset="-34"/>
-                <a:cs typeface="TH SarabunPSK" panose="020B0500040200020003" pitchFamily="34" charset="-34"/>
-              </a:rPr>
-              <a:t>.</a:t>
-            </a:r>
-            <a:r>
-              <a:rPr lang="th-TH" sz="2400" b="1" dirty="0">
-                <a:latin typeface="TH SarabunPSK" panose="020B0500040200020003" pitchFamily="34" charset="-34"/>
-                <a:cs typeface="TH SarabunPSK" panose="020B0500040200020003" pitchFamily="34" charset="-34"/>
-              </a:rPr>
-              <a:t>0</a:t>
+              <a:t>Version 7.X</a:t>
             </a:r>
             <a:r>
               <a:rPr lang="en-US" sz="2400" dirty="0">
@@ -37751,8 +37730,8 @@
         </p:nvSpPr>
         <p:spPr>
           <a:xfrm>
-            <a:off x="955440" y="5135037"/>
-            <a:ext cx="9926500" cy="461665"/>
+            <a:off x="842896" y="5163173"/>
+            <a:ext cx="10455491" cy="461665"/>
           </a:xfrm>
           <a:prstGeom prst="rect">
             <a:avLst/>
@@ -37798,7 +37777,7 @@
                 <a:latin typeface="TH SarabunPSK" panose="020B0500040200020003" pitchFamily="34" charset="-34"/>
                 <a:cs typeface="TH SarabunPSK" panose="020B0500040200020003" pitchFamily="34" charset="-34"/>
               </a:rPr>
-              <a:t>ภายใต้ลิขสิทธิ์ของ </a:t>
+              <a:t>และคณะ ภายใต้ลิขสิทธิ์ของ </a:t>
             </a:r>
             <a:r>
               <a:rPr lang="en-US" sz="2400" b="1" dirty="0">
@@ -39494,7 +39473,7 @@
         <p:spPr>
           <a:xfrm>
             <a:off x="635725" y="1575447"/>
-            <a:ext cx="10920549" cy="3108543"/>
+            <a:ext cx="10920549" cy="3539430"/>
           </a:xfrm>
           <a:prstGeom prst="rect">
             <a:avLst/>
@@ -39508,14 +39487,81 @@
           <a:p>
             <a:pPr lvl="0"/>
             <a:r>
+              <a:rPr lang="th-TH" sz="2800" dirty="0">
+                <a:solidFill>
+                  <a:schemeClr val="bg1"/>
+                </a:solidFill>
+              </a:rPr>
+              <a:t>ที่มา</a:t>
+            </a:r>
+            <a:r>
               <a:rPr lang="en-US" sz="2800" dirty="0">
                 <a:solidFill>
                   <a:schemeClr val="bg1"/>
                 </a:solidFill>
               </a:rPr>
-              <a:t>https://medium.com/@anuchamaitripirom/basic-laravel-part1-route-controller-model-view-2080d9789f64</a:t>
+              <a:t>: https://medium.com/@anuchamaitripirom/basic-laravel-part1-route-controller-model-	view-2080d9789f64.</a:t>
             </a:r>
-            <a:endParaRPr lang="th-TH" sz="2800" dirty="0">
+            <a:r>
+              <a:rPr lang="th-TH" sz="2800" dirty="0">
+                <a:solidFill>
+                  <a:schemeClr val="bg1"/>
+                </a:solidFill>
+              </a:rPr>
+              <a:t> </a:t>
+            </a:r>
+            <a:r>
+              <a:rPr lang="en-US" sz="2800" dirty="0">
+                <a:solidFill>
+                  <a:schemeClr val="bg1"/>
+                </a:solidFill>
+              </a:rPr>
+              <a:t> </a:t>
+            </a:r>
+            <a:r>
+              <a:rPr lang="th-TH" sz="2800" dirty="0">
+                <a:solidFill>
+                  <a:schemeClr val="bg1"/>
+                </a:solidFill>
+              </a:rPr>
+              <a:t>สืบค้นเมื่อวันที่ 20 กุมภาพันธ์ 2563</a:t>
+            </a:r>
+          </a:p>
+          <a:p>
+            <a:pPr lvl="0"/>
+            <a:endParaRPr lang="en-US" sz="2800" dirty="0">
+              <a:solidFill>
+                <a:schemeClr val="bg1"/>
+              </a:solidFill>
+            </a:endParaRPr>
+          </a:p>
+          <a:p>
+            <a:pPr lvl="0"/>
+            <a:r>
+              <a:rPr lang="th-TH" sz="2800" dirty="0">
+                <a:solidFill>
+                  <a:schemeClr val="bg1"/>
+                </a:solidFill>
+              </a:rPr>
+              <a:t>ที่มา</a:t>
+            </a:r>
+            <a:r>
+              <a:rPr lang="en-US" sz="2800" dirty="0">
+                <a:solidFill>
+                  <a:schemeClr val="bg1"/>
+                </a:solidFill>
+              </a:rPr>
+              <a:t>: https://selftaughtcoders.com/from-idea-to-launch/lesson-17/laravel-5-mvc-application-	in-10-minutes/. </a:t>
+            </a:r>
+            <a:r>
+              <a:rPr lang="th-TH" sz="2800" dirty="0">
+                <a:solidFill>
+                  <a:schemeClr val="bg1"/>
+                </a:solidFill>
+              </a:rPr>
+              <a:t> สืบค้นเมื่อวันที่ 11 กุมภาพันธ์ 2563</a:t>
+            </a:r>
+            <a:endParaRPr lang="en-US" sz="2800" dirty="0">
               <a:solidFill>
                 <a:schemeClr val="bg1"/>
               </a:solidFill>
@@ -39532,31 +39578,12 @@
           <a:p>
             <a:pPr lvl="0"/>
             <a:r>
-              <a:rPr lang="en-US" sz="2800" dirty="0">
+              <a:rPr lang="th-TH" sz="2800" dirty="0">
                 <a:solidFill>
                   <a:schemeClr val="bg1"/>
                 </a:solidFill>
               </a:rPr>
-              <a:t>https://selftaughtcoders.com/from-idea-to-launch/lesson-17/laravel-5-mvc-application-in-10-minutes/</a:t>
-            </a:r>
-          </a:p>
-          <a:p>
-            <a:pPr lvl="0"/>
-            <a:endParaRPr lang="en-US" sz="2800">
-              <a:solidFill>
-                <a:schemeClr val="bg1"/>
-              </a:solidFill>
-            </a:endParaRPr>
-          </a:p>
-          <a:p>
-            <a:pPr lvl="0"/>
-            <a:r>
-              <a:rPr lang="en-US" sz="2800">
-                <a:solidFill>
-                  <a:schemeClr val="bg1"/>
-                </a:solidFill>
-              </a:rPr>
-              <a:t>https</a:t>
+              <a:t>ที่มา</a:t>
             </a:r>
             <a:r>
               <a:rPr lang="en-US" sz="2800" dirty="0">
@@ -39564,7 +39591,7 @@
                   <a:schemeClr val="bg1"/>
                 </a:solidFill>
               </a:rPr>
-              <a:t>://medium.com/artisan-digital-agency/</a:t>
+              <a:t>: https://medium.com/artisan-digital-agency/</a:t>
             </a:r>
             <a:r>
               <a:rPr lang="th-TH" sz="2800" dirty="0">
@@ -39604,7 +39631,15 @@
                   <a:schemeClr val="bg1"/>
                 </a:solidFill>
               </a:rPr>
-              <a:t>e95f2800c559</a:t>
+              <a:t>	e95f2800c559.  </a:t>
+            </a:r>
+            <a:r>
+              <a:rPr lang="th-TH" sz="2800" dirty="0">
+                <a:solidFill>
+                  <a:schemeClr val="bg1"/>
+                </a:solidFill>
+              </a:rPr>
+              <a:t>สืบค้นเมื่อวันที่ 15 กุมภาพันธ์ 2563</a:t>
             </a:r>
             <a:endParaRPr kumimoji="0" lang="en-US" sz="2800" b="0" i="0" u="none" strike="noStrike" kern="1200" cap="none" spc="0" normalizeH="0" baseline="0" noProof="0" dirty="0">
               <a:ln>
@@ -39815,53 +39850,6 @@
           </a:p>
         </p:txBody>
       </p:sp>
-      <p:pic>
-        <p:nvPicPr>
-          <p:cNvPr id="17" name="Picture 2" descr="The full MVC request cycle in a Laravel 5 application">
-            <a:extLst>
-              <a:ext uri="{FF2B5EF4-FFF2-40B4-BE49-F238E27FC236}">
-                <a16:creationId xmlns:a16="http://schemas.microsoft.com/office/drawing/2014/main" id="{F7E89B17-9010-40E6-AE0F-6358B83F45EA}"/>
-              </a:ext>
-            </a:extLst>
-          </p:cNvPr>
-          <p:cNvPicPr>
-            <a:picLocks noChangeAspect="1" noChangeArrowheads="1"/>
-          </p:cNvPicPr>
-          <p:nvPr/>
-        </p:nvPicPr>
-        <p:blipFill>
-          <a:blip r:embed="rId2">
-            <a:extLst>
-              <a:ext uri="{28A0092B-C50C-407E-A947-70E740481C1C}">
-                <a14:useLocalDpi xmlns:a14="http://schemas.microsoft.com/office/drawing/2010/main" val="0"/>
-              </a:ext>
-            </a:extLst>
-          </a:blip>
-          <a:srcRect/>
-          <a:stretch>
-            <a:fillRect/>
-          </a:stretch>
-        </p:blipFill>
-        <p:spPr bwMode="auto">
-          <a:xfrm>
-            <a:off x="216658" y="1485444"/>
-            <a:ext cx="7659420" cy="4883940"/>
-          </a:xfrm>
-          <a:prstGeom prst="rect">
-            <a:avLst/>
-          </a:prstGeom>
-          <a:noFill/>
-          <a:extLst>
-            <a:ext uri="{909E8E84-426E-40DD-AFC4-6F175D3DCCD1}">
-              <a14:hiddenFill xmlns:a14="http://schemas.microsoft.com/office/drawing/2010/main">
-                <a:solidFill>
-                  <a:srgbClr val="FFFFFF"/>
-                </a:solidFill>
-              </a14:hiddenFill>
-            </a:ext>
-          </a:extLst>
-        </p:spPr>
-      </p:pic>
       <p:grpSp>
         <p:nvGrpSpPr>
           <p:cNvPr id="42" name="组合 5">
@@ -42296,7 +42284,7 @@
                     <a:latin typeface="TH SarabunPSK" panose="020B0500040200020003" pitchFamily="34" charset="-34"/>
                     <a:cs typeface="TH SarabunPSK" panose="020B0500040200020003" pitchFamily="34" charset="-34"/>
                   </a:rPr>
-                  <a:t>ใช้นั่นเอง</a:t>
+                  <a:t>ผู้ใช้นั่นเอง</a:t>
                 </a:r>
                 <a:endParaRPr lang="ko-KR" altLang="en-US" sz="1400" dirty="0">
                   <a:solidFill>
@@ -44842,6 +44830,87 @@
           <a:lstStyle/>
           <a:p>
             <a:endParaRPr lang="ko-KR" altLang="en-US"/>
+          </a:p>
+        </p:txBody>
+      </p:sp>
+      <p:pic>
+        <p:nvPicPr>
+          <p:cNvPr id="5" name="รูปภาพ 4">
+            <a:extLst>
+              <a:ext uri="{FF2B5EF4-FFF2-40B4-BE49-F238E27FC236}">
+                <a16:creationId xmlns:a16="http://schemas.microsoft.com/office/drawing/2014/main" id="{D9F36D8C-C350-472C-B8DA-0DA02D73B0F4}"/>
+              </a:ext>
+            </a:extLst>
+          </p:cNvPr>
+          <p:cNvPicPr>
+            <a:picLocks noChangeAspect="1"/>
+          </p:cNvPicPr>
+          <p:nvPr/>
+        </p:nvPicPr>
+        <p:blipFill>
+          <a:blip r:embed="rId2">
+            <a:extLst>
+              <a:ext uri="{28A0092B-C50C-407E-A947-70E740481C1C}">
+                <a14:useLocalDpi xmlns:a14="http://schemas.microsoft.com/office/drawing/2010/main" val="0"/>
+              </a:ext>
+            </a:extLst>
+          </a:blip>
+          <a:stretch>
+            <a:fillRect/>
+          </a:stretch>
+        </p:blipFill>
+        <p:spPr>
+          <a:xfrm>
+            <a:off x="520811" y="1605552"/>
+            <a:ext cx="7022606" cy="4407417"/>
+          </a:xfrm>
+          <a:prstGeom prst="rect">
+            <a:avLst/>
+          </a:prstGeom>
+        </p:spPr>
+      </p:pic>
+      <p:sp>
+        <p:nvSpPr>
+          <p:cNvPr id="4" name="กล่องข้อความ 3">
+            <a:extLst>
+              <a:ext uri="{FF2B5EF4-FFF2-40B4-BE49-F238E27FC236}">
+                <a16:creationId xmlns:a16="http://schemas.microsoft.com/office/drawing/2014/main" id="{362772DA-1EA4-4895-8686-37331C81BE7C}"/>
+              </a:ext>
+            </a:extLst>
+          </p:cNvPr>
+          <p:cNvSpPr txBox="1"/>
+          <p:nvPr/>
+        </p:nvSpPr>
+        <p:spPr>
+          <a:xfrm>
+            <a:off x="3437543" y="6181986"/>
+            <a:ext cx="1837362" cy="369332"/>
+          </a:xfrm>
+          <a:prstGeom prst="rect">
+            <a:avLst/>
+          </a:prstGeom>
+          <a:noFill/>
+        </p:spPr>
+        <p:txBody>
+          <a:bodyPr wrap="none" rtlCol="0">
+            <a:spAutoFit/>
+          </a:bodyPr>
+          <a:lstStyle/>
+          <a:p>
+            <a:r>
+              <a:rPr lang="th-TH" b="1" dirty="0">
+                <a:latin typeface="TH SarabunPSK" panose="020B0500040200020003" pitchFamily="34" charset="-34"/>
+                <a:cs typeface="TH SarabunPSK" panose="020B0500040200020003" pitchFamily="34" charset="-34"/>
+              </a:rPr>
+              <a:t>ภาพการทำงานของ </a:t>
+            </a:r>
+            <a:r>
+              <a:rPr lang="en-US" b="1" dirty="0">
+                <a:latin typeface="TH SarabunPSK" panose="020B0500040200020003" pitchFamily="34" charset="-34"/>
+                <a:cs typeface="TH SarabunPSK" panose="020B0500040200020003" pitchFamily="34" charset="-34"/>
+              </a:rPr>
+              <a:t>MVC</a:t>
+            </a:r>
           </a:p>
         </p:txBody>
       </p:sp>
@@ -48440,6 +48509,47 @@
           </a:prstGeom>
         </p:spPr>
       </p:pic>
+      <p:sp>
+        <p:nvSpPr>
+          <p:cNvPr id="2" name="กล่องข้อความ 1">
+            <a:extLst>
+              <a:ext uri="{FF2B5EF4-FFF2-40B4-BE49-F238E27FC236}">
+                <a16:creationId xmlns:a16="http://schemas.microsoft.com/office/drawing/2014/main" id="{B1E3ADB3-AF3D-4E39-AA05-D9C05290552C}"/>
+              </a:ext>
+            </a:extLst>
+          </p:cNvPr>
+          <p:cNvSpPr txBox="1"/>
+          <p:nvPr/>
+        </p:nvSpPr>
+        <p:spPr>
+          <a:xfrm>
+            <a:off x="4557932" y="5951586"/>
+            <a:ext cx="4241867" cy="646331"/>
+          </a:xfrm>
+          <a:prstGeom prst="rect">
+            <a:avLst/>
+          </a:prstGeom>
+          <a:noFill/>
+        </p:spPr>
+        <p:txBody>
+          <a:bodyPr wrap="none" rtlCol="0">
+            <a:spAutoFit/>
+          </a:bodyPr>
+          <a:lstStyle/>
+          <a:p>
+            <a:r>
+              <a:rPr lang="en-US" sz="3600" dirty="0">
+                <a:solidFill>
+                  <a:schemeClr val="bg1"/>
+                </a:solidFill>
+                <a:latin typeface="TH SarabunPSK" panose="020B0500040200020003" pitchFamily="34" charset="-34"/>
+                <a:cs typeface="TH SarabunPSK" panose="020B0500040200020003" pitchFamily="34" charset="-34"/>
+              </a:rPr>
+              <a:t>https://payment.tci-thaijo.org</a:t>
+            </a:r>
+          </a:p>
+        </p:txBody>
+      </p:sp>
     </p:spTree>
     <p:extLst>
       <p:ext uri="{BB962C8B-B14F-4D97-AF65-F5344CB8AC3E}">
